--- a/2016/01/08/jpeghint.pptx
+++ b/2016/01/08/jpeghint.pptx
@@ -10,6 +10,7 @@
     <p:sldId id="259" r:id="rId4"/>
     <p:sldId id="262" r:id="rId5"/>
     <p:sldId id="261" r:id="rId6"/>
+    <p:sldId id="263" r:id="rId7"/>
   </p:sldIdLst>
   <p:sldSz cx="9144000" cy="6858000" type="screen4x3"/>
   <p:notesSz cx="6858000" cy="9144000"/>
@@ -10062,6 +10063,532 @@
 </p:sld>
 </file>
 
+<file path=ppt/slides/slide6.xml><?xml version="1.0" encoding="utf-8"?>
+<p:sld xmlns:a="http://schemas.openxmlformats.org/drawingml/2006/main" xmlns:r="http://schemas.openxmlformats.org/officeDocument/2006/relationships" xmlns:p="http://schemas.openxmlformats.org/presentationml/2006/main">
+  <p:cSld>
+    <p:spTree>
+      <p:nvGrpSpPr>
+        <p:cNvPr id="1" name=""/>
+        <p:cNvGrpSpPr/>
+        <p:nvPr/>
+      </p:nvGrpSpPr>
+      <p:grpSpPr>
+        <a:xfrm>
+          <a:off x="0" y="0"/>
+          <a:ext cx="0" cy="0"/>
+          <a:chOff x="0" y="0"/>
+          <a:chExt cx="0" cy="0"/>
+        </a:xfrm>
+      </p:grpSpPr>
+      <p:sp>
+        <p:nvSpPr>
+          <p:cNvPr id="2" name="タイトル 1"/>
+          <p:cNvSpPr>
+            <a:spLocks noGrp="1"/>
+          </p:cNvSpPr>
+          <p:nvPr>
+            <p:ph type="title"/>
+          </p:nvPr>
+        </p:nvSpPr>
+        <p:spPr/>
+        <p:txBody>
+          <a:bodyPr/>
+          <a:lstStyle/>
+          <a:p>
+            <a:endParaRPr kumimoji="1" lang="ja-JP" altLang="en-US" dirty="0"/>
+          </a:p>
+        </p:txBody>
+      </p:sp>
+      <p:sp>
+        <p:nvSpPr>
+          <p:cNvPr id="3" name="コンテンツ プレースホルダー 2"/>
+          <p:cNvSpPr>
+            <a:spLocks noGrp="1"/>
+          </p:cNvSpPr>
+          <p:nvPr>
+            <p:ph idx="1"/>
+          </p:nvPr>
+        </p:nvSpPr>
+        <p:spPr/>
+        <p:txBody>
+          <a:bodyPr/>
+          <a:lstStyle/>
+          <a:p>
+            <a:pPr marL="0" indent="0">
+              <a:buNone/>
+            </a:pPr>
+            <a:endParaRPr kumimoji="1" lang="ja-JP" altLang="en-US" dirty="0"/>
+          </a:p>
+        </p:txBody>
+      </p:sp>
+      <p:pic>
+        <p:nvPicPr>
+          <p:cNvPr id="21" name="図 20"/>
+          <p:cNvPicPr>
+            <a:picLocks noChangeAspect="1"/>
+          </p:cNvPicPr>
+          <p:nvPr/>
+        </p:nvPicPr>
+        <p:blipFill>
+          <a:blip r:embed="rId2"/>
+          <a:stretch>
+            <a:fillRect/>
+          </a:stretch>
+        </p:blipFill>
+        <p:spPr>
+          <a:xfrm>
+            <a:off x="1050782" y="3206189"/>
+            <a:ext cx="627951" cy="777910"/>
+          </a:xfrm>
+          <a:prstGeom prst="rect">
+            <a:avLst/>
+          </a:prstGeom>
+        </p:spPr>
+      </p:pic>
+      <p:pic>
+        <p:nvPicPr>
+          <p:cNvPr id="24" name="図 23"/>
+          <p:cNvPicPr>
+            <a:picLocks noChangeAspect="1"/>
+          </p:cNvPicPr>
+          <p:nvPr/>
+        </p:nvPicPr>
+        <p:blipFill>
+          <a:blip r:embed="rId2"/>
+          <a:stretch>
+            <a:fillRect/>
+          </a:stretch>
+        </p:blipFill>
+        <p:spPr>
+          <a:xfrm>
+            <a:off x="7472204" y="3206189"/>
+            <a:ext cx="627951" cy="777910"/>
+          </a:xfrm>
+          <a:prstGeom prst="rect">
+            <a:avLst/>
+          </a:prstGeom>
+        </p:spPr>
+      </p:pic>
+      <p:sp>
+        <p:nvSpPr>
+          <p:cNvPr id="25" name="右矢印 24"/>
+          <p:cNvSpPr/>
+          <p:nvPr/>
+        </p:nvSpPr>
+        <p:spPr>
+          <a:xfrm>
+            <a:off x="1934922" y="3392244"/>
+            <a:ext cx="340955" cy="361729"/>
+          </a:xfrm>
+          <a:prstGeom prst="rightArrow">
+            <a:avLst/>
+          </a:prstGeom>
+        </p:spPr>
+        <p:style>
+          <a:lnRef idx="1">
+            <a:schemeClr val="accent1"/>
+          </a:lnRef>
+          <a:fillRef idx="3">
+            <a:schemeClr val="accent1"/>
+          </a:fillRef>
+          <a:effectRef idx="2">
+            <a:schemeClr val="accent1"/>
+          </a:effectRef>
+          <a:fontRef idx="minor">
+            <a:schemeClr val="lt1"/>
+          </a:fontRef>
+        </p:style>
+        <p:txBody>
+          <a:bodyPr rtlCol="0" anchor="ctr"/>
+          <a:lstStyle/>
+          <a:p>
+            <a:pPr algn="ctr"/>
+            <a:endParaRPr kumimoji="1" lang="ja-JP" altLang="en-US"/>
+          </a:p>
+        </p:txBody>
+      </p:sp>
+      <p:sp>
+        <p:nvSpPr>
+          <p:cNvPr id="26" name="右矢印 25"/>
+          <p:cNvSpPr/>
+          <p:nvPr/>
+        </p:nvSpPr>
+        <p:spPr>
+          <a:xfrm>
+            <a:off x="3873126" y="3400766"/>
+            <a:ext cx="340955" cy="361729"/>
+          </a:xfrm>
+          <a:prstGeom prst="rightArrow">
+            <a:avLst/>
+          </a:prstGeom>
+        </p:spPr>
+        <p:style>
+          <a:lnRef idx="1">
+            <a:schemeClr val="accent1"/>
+          </a:lnRef>
+          <a:fillRef idx="3">
+            <a:schemeClr val="accent1"/>
+          </a:fillRef>
+          <a:effectRef idx="2">
+            <a:schemeClr val="accent1"/>
+          </a:effectRef>
+          <a:fontRef idx="minor">
+            <a:schemeClr val="lt1"/>
+          </a:fontRef>
+        </p:style>
+        <p:txBody>
+          <a:bodyPr rtlCol="0" anchor="ctr"/>
+          <a:lstStyle/>
+          <a:p>
+            <a:pPr algn="ctr"/>
+            <a:endParaRPr kumimoji="1" lang="ja-JP" altLang="en-US"/>
+          </a:p>
+        </p:txBody>
+      </p:sp>
+      <p:sp>
+        <p:nvSpPr>
+          <p:cNvPr id="27" name="右矢印 26"/>
+          <p:cNvSpPr/>
+          <p:nvPr/>
+        </p:nvSpPr>
+        <p:spPr>
+          <a:xfrm>
+            <a:off x="6968418" y="3400766"/>
+            <a:ext cx="340955" cy="361729"/>
+          </a:xfrm>
+          <a:prstGeom prst="rightArrow">
+            <a:avLst/>
+          </a:prstGeom>
+        </p:spPr>
+        <p:style>
+          <a:lnRef idx="1">
+            <a:schemeClr val="accent1"/>
+          </a:lnRef>
+          <a:fillRef idx="3">
+            <a:schemeClr val="accent1"/>
+          </a:fillRef>
+          <a:effectRef idx="2">
+            <a:schemeClr val="accent1"/>
+          </a:effectRef>
+          <a:fontRef idx="minor">
+            <a:schemeClr val="lt1"/>
+          </a:fontRef>
+        </p:style>
+        <p:txBody>
+          <a:bodyPr rtlCol="0" anchor="ctr"/>
+          <a:lstStyle/>
+          <a:p>
+            <a:pPr algn="ctr"/>
+            <a:endParaRPr kumimoji="1" lang="ja-JP" altLang="en-US"/>
+          </a:p>
+        </p:txBody>
+      </p:sp>
+      <p:sp>
+        <p:nvSpPr>
+          <p:cNvPr id="28" name="正方形/長方形 27"/>
+          <p:cNvSpPr/>
+          <p:nvPr/>
+        </p:nvSpPr>
+        <p:spPr>
+          <a:xfrm>
+            <a:off x="1274084" y="2688746"/>
+            <a:ext cx="1027365" cy="400592"/>
+          </a:xfrm>
+          <a:prstGeom prst="rect">
+            <a:avLst/>
+          </a:prstGeom>
+          <a:noFill/>
+          <a:ln>
+            <a:noFill/>
+          </a:ln>
+        </p:spPr>
+        <p:style>
+          <a:lnRef idx="1">
+            <a:schemeClr val="accent1"/>
+          </a:lnRef>
+          <a:fillRef idx="3">
+            <a:schemeClr val="accent1"/>
+          </a:fillRef>
+          <a:effectRef idx="2">
+            <a:schemeClr val="accent1"/>
+          </a:effectRef>
+          <a:fontRef idx="minor">
+            <a:schemeClr val="lt1"/>
+          </a:fontRef>
+        </p:style>
+        <p:txBody>
+          <a:bodyPr rtlCol="0" anchor="ctr"/>
+          <a:lstStyle/>
+          <a:p>
+            <a:pPr algn="ctr"/>
+            <a:r>
+              <a:rPr lang="en-US" altLang="ja-JP" dirty="0">
+                <a:solidFill>
+                  <a:schemeClr val="tx1"/>
+                </a:solidFill>
+              </a:rPr>
+              <a:t>D</a:t>
+            </a:r>
+            <a:r>
+              <a:rPr kumimoji="1" lang="en-US" altLang="ja-JP" dirty="0" smtClean="0">
+                <a:solidFill>
+                  <a:schemeClr val="tx1"/>
+                </a:solidFill>
+              </a:rPr>
+              <a:t>ecode</a:t>
+            </a:r>
+            <a:endParaRPr kumimoji="1" lang="ja-JP" altLang="en-US" dirty="0">
+              <a:solidFill>
+                <a:schemeClr val="tx1"/>
+              </a:solidFill>
+            </a:endParaRPr>
+          </a:p>
+        </p:txBody>
+      </p:sp>
+      <p:sp>
+        <p:nvSpPr>
+          <p:cNvPr id="29" name="正方形/長方形 28"/>
+          <p:cNvSpPr/>
+          <p:nvPr/>
+        </p:nvSpPr>
+        <p:spPr>
+          <a:xfrm>
+            <a:off x="6923550" y="2688746"/>
+            <a:ext cx="1027365" cy="400592"/>
+          </a:xfrm>
+          <a:prstGeom prst="rect">
+            <a:avLst/>
+          </a:prstGeom>
+          <a:noFill/>
+          <a:ln>
+            <a:noFill/>
+          </a:ln>
+        </p:spPr>
+        <p:style>
+          <a:lnRef idx="1">
+            <a:schemeClr val="accent1"/>
+          </a:lnRef>
+          <a:fillRef idx="3">
+            <a:schemeClr val="accent1"/>
+          </a:fillRef>
+          <a:effectRef idx="2">
+            <a:schemeClr val="accent1"/>
+          </a:effectRef>
+          <a:fontRef idx="minor">
+            <a:schemeClr val="lt1"/>
+          </a:fontRef>
+        </p:style>
+        <p:txBody>
+          <a:bodyPr rtlCol="0" anchor="ctr"/>
+          <a:lstStyle/>
+          <a:p>
+            <a:pPr algn="ctr"/>
+            <a:r>
+              <a:rPr lang="en-US" altLang="ja-JP" dirty="0">
+                <a:solidFill>
+                  <a:schemeClr val="tx1"/>
+                </a:solidFill>
+              </a:rPr>
+              <a:t>E</a:t>
+            </a:r>
+            <a:r>
+              <a:rPr lang="en-US" altLang="ja-JP" dirty="0" smtClean="0">
+                <a:solidFill>
+                  <a:schemeClr val="tx1"/>
+                </a:solidFill>
+              </a:rPr>
+              <a:t>n</a:t>
+            </a:r>
+            <a:r>
+              <a:rPr kumimoji="1" lang="en-US" altLang="ja-JP" dirty="0" smtClean="0">
+                <a:solidFill>
+                  <a:schemeClr val="tx1"/>
+                </a:solidFill>
+              </a:rPr>
+              <a:t>code</a:t>
+            </a:r>
+            <a:endParaRPr kumimoji="1" lang="ja-JP" altLang="en-US" dirty="0">
+              <a:solidFill>
+                <a:schemeClr val="tx1"/>
+              </a:solidFill>
+            </a:endParaRPr>
+          </a:p>
+        </p:txBody>
+      </p:sp>
+      <p:pic>
+        <p:nvPicPr>
+          <p:cNvPr id="15" name="図 14" descr="saitama.jpg"/>
+          <p:cNvPicPr>
+            <a:picLocks noChangeAspect="1"/>
+          </p:cNvPicPr>
+          <p:nvPr/>
+        </p:nvPicPr>
+        <p:blipFill>
+          <a:blip r:embed="rId3">
+            <a:extLst>
+              <a:ext uri="{28A0092B-C50C-407E-A947-70E740481C1C}">
+                <a14:useLocalDpi xmlns:a14="http://schemas.microsoft.com/office/drawing/2010/main" val="0"/>
+              </a:ext>
+            </a:extLst>
+          </a:blip>
+          <a:stretch>
+            <a:fillRect/>
+          </a:stretch>
+        </p:blipFill>
+        <p:spPr>
+          <a:xfrm>
+            <a:off x="4512418" y="2721488"/>
+            <a:ext cx="2242904" cy="1714737"/>
+          </a:xfrm>
+          <a:prstGeom prst="rect">
+            <a:avLst/>
+          </a:prstGeom>
+        </p:spPr>
+      </p:pic>
+      <p:pic>
+        <p:nvPicPr>
+          <p:cNvPr id="23" name="図 22" descr="saitama.jpg"/>
+          <p:cNvPicPr>
+            <a:picLocks noChangeAspect="1"/>
+          </p:cNvPicPr>
+          <p:nvPr/>
+        </p:nvPicPr>
+        <p:blipFill>
+          <a:blip r:embed="rId3">
+            <a:alphaModFix/>
+            <a:extLst>
+              <a:ext uri="{28A0092B-C50C-407E-A947-70E740481C1C}">
+                <a14:useLocalDpi xmlns:a14="http://schemas.microsoft.com/office/drawing/2010/main" val="0"/>
+              </a:ext>
+            </a:extLst>
+          </a:blip>
+          <a:stretch>
+            <a:fillRect/>
+          </a:stretch>
+        </p:blipFill>
+        <p:spPr>
+          <a:xfrm>
+            <a:off x="2445353" y="3154883"/>
+            <a:ext cx="1133775" cy="866790"/>
+          </a:xfrm>
+          <a:prstGeom prst="rect">
+            <a:avLst/>
+          </a:prstGeom>
+        </p:spPr>
+      </p:pic>
+      <p:pic>
+        <p:nvPicPr>
+          <p:cNvPr id="17" name="図 16" descr="saitama.jpg"/>
+          <p:cNvPicPr>
+            <a:picLocks noChangeAspect="1"/>
+          </p:cNvPicPr>
+          <p:nvPr/>
+        </p:nvPicPr>
+        <p:blipFill>
+          <a:blip r:embed="rId3">
+            <a:alphaModFix amt="25000"/>
+            <a:extLst>
+              <a:ext uri="{28A0092B-C50C-407E-A947-70E740481C1C}">
+                <a14:useLocalDpi xmlns:a14="http://schemas.microsoft.com/office/drawing/2010/main" val="0"/>
+              </a:ext>
+            </a:extLst>
+          </a:blip>
+          <a:stretch>
+            <a:fillRect/>
+          </a:stretch>
+        </p:blipFill>
+        <p:spPr>
+          <a:xfrm>
+            <a:off x="2445354" y="3201074"/>
+            <a:ext cx="634134" cy="484806"/>
+          </a:xfrm>
+          <a:prstGeom prst="rect">
+            <a:avLst/>
+          </a:prstGeom>
+        </p:spPr>
+      </p:pic>
+      <p:sp>
+        <p:nvSpPr>
+          <p:cNvPr id="30" name="正方形/長方形 29"/>
+          <p:cNvSpPr/>
+          <p:nvPr/>
+        </p:nvSpPr>
+        <p:spPr>
+          <a:xfrm>
+            <a:off x="3550920" y="2688746"/>
+            <a:ext cx="1027365" cy="400592"/>
+          </a:xfrm>
+          <a:prstGeom prst="rect">
+            <a:avLst/>
+          </a:prstGeom>
+          <a:noFill/>
+          <a:ln>
+            <a:noFill/>
+          </a:ln>
+        </p:spPr>
+        <p:style>
+          <a:lnRef idx="1">
+            <a:schemeClr val="accent1"/>
+          </a:lnRef>
+          <a:fillRef idx="3">
+            <a:schemeClr val="accent1"/>
+          </a:fillRef>
+          <a:effectRef idx="2">
+            <a:schemeClr val="accent1"/>
+          </a:effectRef>
+          <a:fontRef idx="minor">
+            <a:schemeClr val="lt1"/>
+          </a:fontRef>
+        </p:style>
+        <p:txBody>
+          <a:bodyPr rtlCol="0" anchor="ctr"/>
+          <a:lstStyle/>
+          <a:p>
+            <a:pPr algn="ctr"/>
+            <a:r>
+              <a:rPr lang="en-US" altLang="ja-JP" dirty="0">
+                <a:solidFill>
+                  <a:schemeClr val="tx1"/>
+                </a:solidFill>
+              </a:rPr>
+              <a:t>R</a:t>
+            </a:r>
+            <a:r>
+              <a:rPr kumimoji="1" lang="en-US" altLang="ja-JP" dirty="0" smtClean="0">
+                <a:solidFill>
+                  <a:schemeClr val="tx1"/>
+                </a:solidFill>
+              </a:rPr>
+              <a:t>esize</a:t>
+            </a:r>
+            <a:endParaRPr kumimoji="1" lang="ja-JP" altLang="en-US" dirty="0">
+              <a:solidFill>
+                <a:schemeClr val="tx1"/>
+              </a:solidFill>
+            </a:endParaRPr>
+          </a:p>
+        </p:txBody>
+      </p:sp>
+    </p:spTree>
+    <p:extLst>
+      <p:ext uri="{BB962C8B-B14F-4D97-AF65-F5344CB8AC3E}">
+        <p14:creationId xmlns:p14="http://schemas.microsoft.com/office/powerpoint/2010/main" val="751104127"/>
+      </p:ext>
+    </p:extLst>
+  </p:cSld>
+  <p:clrMapOvr>
+    <a:masterClrMapping/>
+  </p:clrMapOvr>
+  <p:timing>
+    <p:tnLst>
+      <p:par>
+        <p:cTn xmlns:p14="http://schemas.microsoft.com/office/powerpoint/2010/main" id="1" dur="indefinite" restart="never" nodeType="tmRoot"/>
+      </p:par>
+    </p:tnLst>
+  </p:timing>
+</p:sld>
+</file>
+
 <file path=ppt/theme/theme1.xml><?xml version="1.0" encoding="utf-8"?>
 <a:theme xmlns:a="http://schemas.openxmlformats.org/drawingml/2006/main" name="インク瓶">
   <a:themeElements>
